--- a/en/ProgrammingLessons/beginner/scratch-Color.pptx
+++ b/en/ProgrammingLessons/beginner/scratch-Color.pptx
@@ -220,7 +220,7 @@
           <a:p>
             <a:fld id="{F8D9B3D7-15CB-9343-AA49-EFB5A8F33F18}" type="datetimeFigureOut">
               <a:rPr lang="en-US" smtClean="0"/>
-              <a:t>12/21/19</a:t>
+              <a:t>12/25/19</a:t>
             </a:fld>
             <a:endParaRPr lang="en-US"/>
           </a:p>
@@ -386,7 +386,7 @@
           <a:p>
             <a:fld id="{FD3EFF1E-85A1-6640-AFB9-C38833E80A84}" type="datetimeFigureOut">
               <a:rPr lang="en-US" smtClean="0"/>
-              <a:t>12/21/19</a:t>
+              <a:t>12/25/19</a:t>
             </a:fld>
             <a:endParaRPr lang="en-US"/>
           </a:p>
@@ -974,7 +974,7 @@
           <a:p>
             <a:fld id="{35A6B044-214C-AA40-8F2B-DEC41BD6B0FD}" type="datetime1">
               <a:rPr lang="en-US" smtClean="0"/>
-              <a:t>12/21/19</a:t>
+              <a:t>12/25/19</a:t>
             </a:fld>
             <a:endParaRPr lang="en-US"/>
           </a:p>
@@ -1344,35 +1344,6 @@
           </a:fontRef>
         </p:style>
       </p:sp>
-      <p:pic>
-        <p:nvPicPr>
-          <p:cNvPr id="19" name="Picture 18" descr="A picture containing drawing&#10;&#10;Description automatically generated">
-            <a:extLst>
-              <a:ext uri="{FF2B5EF4-FFF2-40B4-BE49-F238E27FC236}">
-                <a16:creationId xmlns:a16="http://schemas.microsoft.com/office/drawing/2014/main" id="{D6521243-B440-0F41-8F2B-5A3A61AB4C58}"/>
-              </a:ext>
-            </a:extLst>
-          </p:cNvPr>
-          <p:cNvPicPr>
-            <a:picLocks noChangeAspect="1"/>
-          </p:cNvPicPr>
-          <p:nvPr userDrawn="1"/>
-        </p:nvPicPr>
-        <p:blipFill rotWithShape="1">
-          <a:blip r:embed="rId2"/>
-          <a:srcRect l="1617" t="7031" r="4033" b="8124"/>
-          <a:stretch/>
-        </p:blipFill>
-        <p:spPr>
-          <a:xfrm>
-            <a:off x="89513" y="25985"/>
-            <a:ext cx="8627349" cy="3250097"/>
-          </a:xfrm>
-          <a:prstGeom prst="rect">
-            <a:avLst/>
-          </a:prstGeom>
-        </p:spPr>
-      </p:pic>
     </p:spTree>
     <p:extLst>
       <p:ext uri="{BB962C8B-B14F-4D97-AF65-F5344CB8AC3E}">
@@ -1493,7 +1464,7 @@
           <a:p>
             <a:fld id="{F1F1A44E-0822-7846-8A3A-29CB2E1F6B5E}" type="datetime1">
               <a:rPr lang="en-US" smtClean="0"/>
-              <a:t>12/21/19</a:t>
+              <a:t>12/25/19</a:t>
             </a:fld>
             <a:endParaRPr lang="en-US"/>
           </a:p>
@@ -1683,7 +1654,7 @@
           <a:p>
             <a:fld id="{09ED7E1A-1EF1-D045-B958-CD9693A2F651}" type="datetime1">
               <a:rPr lang="en-US" smtClean="0"/>
-              <a:t>12/21/19</a:t>
+              <a:t>12/25/19</a:t>
             </a:fld>
             <a:endParaRPr lang="en-US"/>
           </a:p>
@@ -1885,7 +1856,7 @@
           <a:p>
             <a:fld id="{8B498927-B149-E94E-864A-536EA39DA34F}" type="datetime1">
               <a:rPr lang="en-US" smtClean="0"/>
-              <a:t>12/21/19</a:t>
+              <a:t>12/25/19</a:t>
             </a:fld>
             <a:endParaRPr lang="en-US"/>
           </a:p>
@@ -2057,7 +2028,7 @@
           <a:p>
             <a:fld id="{5B37C462-A379-D645-8E55-460BE9E5634F}" type="datetime1">
               <a:rPr lang="en-US" smtClean="0"/>
-              <a:t>12/21/19</a:t>
+              <a:t>12/25/19</a:t>
             </a:fld>
             <a:endParaRPr lang="en-US"/>
           </a:p>
@@ -2306,7 +2277,7 @@
           <a:p>
             <a:fld id="{CD9A16FC-6B8D-4C4B-98C9-A36709896349}" type="datetime1">
               <a:rPr lang="en-US" smtClean="0"/>
-              <a:t>12/21/19</a:t>
+              <a:t>12/25/19</a:t>
             </a:fld>
             <a:endParaRPr lang="en-US"/>
           </a:p>
@@ -2539,7 +2510,7 @@
           <a:p>
             <a:fld id="{DD301F44-25FA-1D41-BE65-D8E565AEAEB5}" type="datetime1">
               <a:rPr lang="en-US" smtClean="0"/>
-              <a:t>12/21/19</a:t>
+              <a:t>12/25/19</a:t>
             </a:fld>
             <a:endParaRPr lang="en-US"/>
           </a:p>
@@ -2907,7 +2878,7 @@
           <a:p>
             <a:fld id="{8889443F-DC4C-0D4F-B29A-9EE4BD180C45}" type="datetime1">
               <a:rPr lang="en-US" smtClean="0"/>
-              <a:t>12/21/19</a:t>
+              <a:t>12/25/19</a:t>
             </a:fld>
             <a:endParaRPr lang="en-US"/>
           </a:p>
@@ -3028,7 +2999,7 @@
           <a:p>
             <a:fld id="{39D9E9CB-2ED8-4345-9469-BB05A7C029B6}" type="datetime1">
               <a:rPr lang="en-US" smtClean="0"/>
-              <a:t>12/21/19</a:t>
+              <a:t>12/25/19</a:t>
             </a:fld>
             <a:endParaRPr lang="en-US"/>
           </a:p>
@@ -3127,7 +3098,7 @@
           <a:p>
             <a:fld id="{BC54E55B-28A5-1949-8F43-7D732EE13D7D}" type="datetime1">
               <a:rPr lang="en-US" smtClean="0"/>
-              <a:t>12/21/19</a:t>
+              <a:t>12/25/19</a:t>
             </a:fld>
             <a:endParaRPr lang="en-US"/>
           </a:p>
@@ -3406,7 +3377,7 @@
           <a:p>
             <a:fld id="{88C5B6A9-9682-5F4C-AE9B-B2438C7ADE84}" type="datetime1">
               <a:rPr lang="en-US" smtClean="0"/>
-              <a:t>12/21/19</a:t>
+              <a:t>12/25/19</a:t>
             </a:fld>
             <a:endParaRPr lang="en-US"/>
           </a:p>
@@ -3589,7 +3560,7 @@
           <a:p>
             <a:fld id="{38106CDA-FE9C-FE43-8B0C-63B386422ED5}" type="datetime1">
               <a:rPr lang="en-US" smtClean="0"/>
-              <a:t>12/21/19</a:t>
+              <a:t>12/25/19</a:t>
             </a:fld>
             <a:endParaRPr lang="en-US"/>
           </a:p>
@@ -3856,7 +3827,7 @@
           <a:p>
             <a:fld id="{3F53E779-1760-5C43-B53B-D674A6CB97E2}" type="datetime1">
               <a:rPr lang="en-US" smtClean="0"/>
-              <a:t>12/21/19</a:t>
+              <a:t>12/25/19</a:t>
             </a:fld>
             <a:endParaRPr lang="en-US"/>
           </a:p>
@@ -4028,7 +3999,7 @@
           <a:p>
             <a:fld id="{0F4948B2-49EF-124E-8D68-ABBBA3120F09}" type="datetime1">
               <a:rPr lang="en-US" smtClean="0"/>
-              <a:t>12/21/19</a:t>
+              <a:t>12/25/19</a:t>
             </a:fld>
             <a:endParaRPr lang="en-US"/>
           </a:p>
@@ -4210,7 +4181,7 @@
           <a:p>
             <a:fld id="{92D23103-11D5-6F49-868F-C77D40C36CC8}" type="datetime1">
               <a:rPr lang="en-US" smtClean="0"/>
-              <a:t>12/21/19</a:t>
+              <a:t>12/25/19</a:t>
             </a:fld>
             <a:endParaRPr lang="en-US"/>
           </a:p>
@@ -4468,7 +4439,7 @@
           <a:p>
             <a:fld id="{A76E368F-17E9-E64F-BDF0-8F0AB9A41617}" type="datetime1">
               <a:rPr lang="en-US" smtClean="0"/>
-              <a:t>12/21/19</a:t>
+              <a:t>12/25/19</a:t>
             </a:fld>
             <a:endParaRPr lang="en-US"/>
           </a:p>
@@ -4772,7 +4743,7 @@
           <a:p>
             <a:fld id="{64682702-CB2B-6047-8396-AB62D5DDA085}" type="datetime1">
               <a:rPr lang="en-US" smtClean="0"/>
-              <a:t>12/21/19</a:t>
+              <a:t>12/25/19</a:t>
             </a:fld>
             <a:endParaRPr lang="en-US"/>
           </a:p>
@@ -5227,7 +5198,7 @@
           <a:p>
             <a:fld id="{E984B5EF-AF1D-7248-B67E-7F8EEC924613}" type="datetime1">
               <a:rPr lang="en-US" smtClean="0"/>
-              <a:t>12/21/19</a:t>
+              <a:t>12/25/19</a:t>
             </a:fld>
             <a:endParaRPr lang="en-US"/>
           </a:p>
@@ -5356,7 +5327,7 @@
           <a:p>
             <a:fld id="{662757D8-5DCA-2948-886A-85AE279681E5}" type="datetime1">
               <a:rPr lang="en-US" smtClean="0"/>
-              <a:t>12/21/19</a:t>
+              <a:t>12/25/19</a:t>
             </a:fld>
             <a:endParaRPr lang="en-US"/>
           </a:p>
@@ -5463,7 +5434,7 @@
           <a:p>
             <a:fld id="{64F75EBC-DE3D-5747-A6F7-C150736E42E0}" type="datetime1">
               <a:rPr lang="en-US" smtClean="0"/>
-              <a:t>12/21/19</a:t>
+              <a:t>12/25/19</a:t>
             </a:fld>
             <a:endParaRPr lang="en-US"/>
           </a:p>
@@ -5722,7 +5693,7 @@
           <a:p>
             <a:fld id="{7B0C032E-ED03-8F4E-92E7-963A01C31AC9}" type="datetime1">
               <a:rPr lang="en-US" smtClean="0"/>
-              <a:t>12/21/19</a:t>
+              <a:t>12/25/19</a:t>
             </a:fld>
             <a:endParaRPr lang="en-US"/>
           </a:p>
@@ -6031,7 +6002,7 @@
           <a:p>
             <a:fld id="{7AA81A2C-344D-DA4B-8B9E-4D898BE28DD5}" type="datetime1">
               <a:rPr lang="en-US" smtClean="0"/>
-              <a:t>12/21/19</a:t>
+              <a:t>12/25/19</a:t>
             </a:fld>
             <a:endParaRPr lang="en-US"/>
           </a:p>
@@ -6342,7 +6313,7 @@
           <a:p>
             <a:fld id="{A18CECB9-4820-7148-9BD5-B2B8A9811744}" type="datetime1">
               <a:rPr lang="en-US" smtClean="0"/>
-              <a:t>12/21/19</a:t>
+              <a:t>12/25/19</a:t>
             </a:fld>
             <a:endParaRPr lang="en-US"/>
           </a:p>
@@ -7098,7 +7069,7 @@
           <a:p>
             <a:fld id="{AAD7B430-D6D9-BF4C-909A-F4D47B0C7DFE}" type="datetime1">
               <a:rPr lang="en-US" smtClean="0"/>
-              <a:t>12/21/19</a:t>
+              <a:t>12/25/19</a:t>
             </a:fld>
             <a:endParaRPr lang="en-US"/>
           </a:p>
@@ -7520,45 +7491,105 @@
         </p:nvSpPr>
         <p:spPr/>
         <p:txBody>
-          <a:bodyPr/>
-          <a:lstStyle/>
-          <a:p>
-            <a:r>
-              <a:rPr lang="en-US" dirty="0"/>
-              <a:t>Color Sensor</a:t>
-            </a:r>
-          </a:p>
-        </p:txBody>
-      </p:sp>
-      <p:sp>
-        <p:nvSpPr>
-          <p:cNvPr id="3" name="Title 2"/>
-          <p:cNvSpPr>
-            <a:spLocks noGrp="1"/>
-          </p:cNvSpPr>
-          <p:nvPr>
-            <p:ph type="ctrTitle"/>
-          </p:nvPr>
-        </p:nvSpPr>
-        <p:spPr/>
-        <p:txBody>
-          <a:bodyPr/>
-          <a:lstStyle/>
-          <a:p>
-            <a:pPr algn="ctr"/>
-            <a:r>
-              <a:rPr lang="en-US" dirty="0"/>
+          <a:bodyPr>
+            <a:normAutofit/>
+          </a:bodyPr>
+          <a:lstStyle/>
+          <a:p>
+            <a:r>
+              <a:rPr lang="en-US" sz="2400" dirty="0"/>
+              <a:t>EV3 Classroom: Color Sensor</a:t>
+            </a:r>
+          </a:p>
+        </p:txBody>
+      </p:sp>
+      <p:sp>
+        <p:nvSpPr>
+          <p:cNvPr id="7" name="Title 1">
+            <a:extLst>
+              <a:ext uri="{FF2B5EF4-FFF2-40B4-BE49-F238E27FC236}">
+                <a16:creationId xmlns:a16="http://schemas.microsoft.com/office/drawing/2014/main" id="{9F083CB0-537A-DB48-A2A4-C789C40EE024}"/>
+              </a:ext>
+            </a:extLst>
+          </p:cNvPr>
+          <p:cNvSpPr txBox="1">
+            <a:spLocks/>
+          </p:cNvSpPr>
+          <p:nvPr/>
+        </p:nvSpPr>
+        <p:spPr>
+          <a:xfrm>
+            <a:off x="4868091" y="272833"/>
+            <a:ext cx="3897684" cy="1598052"/>
+          </a:xfrm>
+          <a:prstGeom prst="rect">
+            <a:avLst/>
+          </a:prstGeom>
+        </p:spPr>
+        <p:txBody>
+          <a:bodyPr vert="horz" lIns="91440" tIns="45720" rIns="91440" bIns="45720" rtlCol="0" anchor="t" anchorCtr="0">
+            <a:noAutofit/>
+          </a:bodyPr>
+          <a:lstStyle>
+            <a:lvl1pPr algn="l" defTabSz="914400" rtl="0" eaLnBrk="1" latinLnBrk="0" hangingPunct="1">
+              <a:spcBef>
+                <a:spcPct val="0"/>
+              </a:spcBef>
+              <a:buNone/>
+              <a:defRPr sz="2800" kern="1200" cap="all" spc="-60" baseline="0">
+                <a:solidFill>
+                  <a:schemeClr val="tx2"/>
+                </a:solidFill>
+                <a:latin typeface="+mj-lt"/>
+                <a:ea typeface="+mj-ea"/>
+                <a:cs typeface="+mj-cs"/>
+              </a:defRPr>
+            </a:lvl1pPr>
+          </a:lstStyle>
+          <a:p>
+            <a:r>
+              <a:rPr lang="en-US" sz="3200"/>
               <a:t>BEGINNER PROGRAMMING LESSON</a:t>
             </a:r>
+            <a:endParaRPr lang="en-US" sz="3200" dirty="0"/>
           </a:p>
         </p:txBody>
       </p:sp>
       <p:pic>
         <p:nvPicPr>
-          <p:cNvPr id="5" name="Picture 4" descr="A close up of a sign&#10;&#10;Description automatically generated">
+          <p:cNvPr id="8" name="Picture 7" descr="A picture containing drawing&#10;&#10;Description automatically generated">
             <a:extLst>
               <a:ext uri="{FF2B5EF4-FFF2-40B4-BE49-F238E27FC236}">
-                <a16:creationId xmlns:a16="http://schemas.microsoft.com/office/drawing/2014/main" id="{14A643AB-F495-E74C-8F28-4D1E7185D0A7}"/>
+                <a16:creationId xmlns:a16="http://schemas.microsoft.com/office/drawing/2014/main" id="{2DF7FEAD-041A-984E-97A7-002158126A36}"/>
+              </a:ext>
+            </a:extLst>
+          </p:cNvPr>
+          <p:cNvPicPr>
+            <a:picLocks noChangeAspect="1"/>
+          </p:cNvPicPr>
+          <p:nvPr/>
+        </p:nvPicPr>
+        <p:blipFill rotWithShape="1">
+          <a:blip r:embed="rId3"/>
+          <a:srcRect l="1617" t="7031" r="4033" b="8124"/>
+          <a:stretch/>
+        </p:blipFill>
+        <p:spPr>
+          <a:xfrm>
+            <a:off x="129863" y="209018"/>
+            <a:ext cx="4442137" cy="1673443"/>
+          </a:xfrm>
+          <a:prstGeom prst="rect">
+            <a:avLst/>
+          </a:prstGeom>
+        </p:spPr>
+      </p:pic>
+      <p:pic>
+        <p:nvPicPr>
+          <p:cNvPr id="9" name="Picture 8" descr="A close up of a sign&#10;&#10;Description automatically generated">
+            <a:extLst>
+              <a:ext uri="{FF2B5EF4-FFF2-40B4-BE49-F238E27FC236}">
+                <a16:creationId xmlns:a16="http://schemas.microsoft.com/office/drawing/2014/main" id="{6DEEDB64-E640-C84E-A0D2-65C2FEC09A3D}"/>
               </a:ext>
             </a:extLst>
           </p:cNvPr>
@@ -7568,15 +7599,21 @@
           <p:nvPr/>
         </p:nvPicPr>
         <p:blipFill>
-          <a:blip r:embed="rId3"/>
+          <a:blip r:embed="rId4">
+            <a:extLst>
+              <a:ext uri="{28A0092B-C50C-407E-A947-70E740481C1C}">
+                <a14:useLocalDpi xmlns:a14="http://schemas.microsoft.com/office/drawing/2010/main" val="0"/>
+              </a:ext>
+            </a:extLst>
+          </a:blip>
           <a:stretch>
             <a:fillRect/>
           </a:stretch>
         </p:blipFill>
         <p:spPr>
-          <a:xfrm rot="905751">
-            <a:off x="7371419" y="387218"/>
-            <a:ext cx="1124670" cy="1101589"/>
+          <a:xfrm>
+            <a:off x="3730120" y="4883748"/>
+            <a:ext cx="1444298" cy="1444298"/>
           </a:xfrm>
           <a:prstGeom prst="rect">
             <a:avLst/>
